--- a/Apresentação/Unittest.pptx
+++ b/Apresentação/Unittest.pptx
@@ -281,7 +281,7 @@
           <a:p>
             <a:fld id="{1D8BD707-D9CF-40AE-B4C6-C98DA3205C09}" type="datetimeFigureOut">
               <a:rPr lang="en-US"/>
-              <a:t>7/26/2017</a:t>
+              <a:t>7/27/2017</a:t>
             </a:fld>
             <a:endParaRPr lang="en-US"/>
           </a:p>
@@ -1124,7 +1124,7 @@
           <a:p>
             <a:fld id="{1D8BD707-D9CF-40AE-B4C6-C98DA3205C09}" type="datetimeFigureOut">
               <a:rPr lang="en-US"/>
-              <a:t>7/26/2017</a:t>
+              <a:t>7/27/2017</a:t>
             </a:fld>
             <a:endParaRPr lang="en-US"/>
           </a:p>
@@ -1338,7 +1338,7 @@
           <a:p>
             <a:fld id="{1D8BD707-D9CF-40AE-B4C6-C98DA3205C09}" type="datetimeFigureOut">
               <a:rPr lang="en-US"/>
-              <a:t>7/26/2017</a:t>
+              <a:t>7/27/2017</a:t>
             </a:fld>
             <a:endParaRPr lang="en-US"/>
           </a:p>
@@ -1486,7 +1486,7 @@
           <a:p>
             <a:fld id="{1D8BD707-D9CF-40AE-B4C6-C98DA3205C09}" type="datetimeFigureOut">
               <a:rPr lang="en-US"/>
-              <a:t>7/26/2017</a:t>
+              <a:t>7/27/2017</a:t>
             </a:fld>
             <a:endParaRPr lang="en-US"/>
           </a:p>
@@ -1605,7 +1605,7 @@
           <a:p>
             <a:fld id="{1D8BD707-D9CF-40AE-B4C6-C98DA3205C09}" type="datetimeFigureOut">
               <a:rPr lang="en-US"/>
-              <a:t>7/26/2017</a:t>
+              <a:t>7/27/2017</a:t>
             </a:fld>
             <a:endParaRPr lang="en-US"/>
           </a:p>
@@ -2459,7 +2459,7 @@
           <a:p>
             <a:fld id="{1D8BD707-D9CF-40AE-B4C6-C98DA3205C09}" type="datetimeFigureOut">
               <a:rPr lang="en-US"/>
-              <a:t>7/26/2017</a:t>
+              <a:t>7/27/2017</a:t>
             </a:fld>
             <a:endParaRPr lang="en-US"/>
           </a:p>
@@ -2953,18 +2953,18 @@
               </a:tabLst>
             </a:pPr>
             <a:r>
-              <a:rPr spc="-1595" dirty="0"/>
+              <a:rPr u="sng" spc="-1595" dirty="0"/>
               <a:t>D</a:t>
             </a:r>
             <a:r>
-              <a:rPr b="0" u="none" spc="-1595" dirty="0">
+              <a:rPr u="sng" spc="-1595" dirty="0">
                 <a:latin typeface="Times New Roman"/>
                 <a:cs typeface="Times New Roman"/>
               </a:rPr>
               <a:t>	</a:t>
             </a:r>
             <a:r>
-              <a:rPr spc="-5" dirty="0"/>
+              <a:rPr u="sng" spc="-5" dirty="0"/>
               <a:t>Unit</a:t>
             </a:r>
           </a:p>
@@ -3048,7 +3048,7 @@
               <a:buFont typeface="Arial"/>
               <a:buChar char="•"/>
             </a:pPr>
-            <a:endParaRPr sz="3050">
+            <a:endParaRPr sz="3050" dirty="0">
               <a:latin typeface="Times New Roman"/>
               <a:cs typeface="Times New Roman"/>
             </a:endParaRPr>
@@ -3063,18 +3063,18 @@
               </a:tabLst>
             </a:pPr>
             <a:r>
-              <a:rPr spc="-1595" dirty="0"/>
+              <a:rPr u="sng" spc="-1595" dirty="0"/>
               <a:t>D</a:t>
             </a:r>
             <a:r>
-              <a:rPr b="0" u="none" spc="-1595" dirty="0">
+              <a:rPr u="sng" spc="-1595" dirty="0">
                 <a:latin typeface="Times New Roman"/>
                 <a:cs typeface="Times New Roman"/>
               </a:rPr>
               <a:t>	</a:t>
             </a:r>
             <a:r>
-              <a:rPr spc="-5" dirty="0"/>
+              <a:rPr u="sng" spc="-5" dirty="0"/>
               <a:t>UnitX</a:t>
             </a:r>
           </a:p>
@@ -8276,7 +8276,7 @@
               </a:rPr>
               <a:t>outro(s)</a:t>
             </a:r>
-            <a:endParaRPr sz="2500">
+            <a:endParaRPr sz="2500" dirty="0">
               <a:latin typeface="Arial"/>
               <a:cs typeface="Arial"/>
             </a:endParaRPr>
@@ -8321,7 +8321,14 @@
                 <a:latin typeface="Arial"/>
                 <a:cs typeface="Arial"/>
               </a:rPr>
-              <a:t>este de Unidade </a:t>
+              <a:t>este de Unidade</a:t>
+            </a:r>
+            <a:r>
+              <a:rPr sz="2100" b="1" spc="-5" dirty="0">
+                <a:latin typeface="Arial"/>
+                <a:cs typeface="Arial"/>
+              </a:rPr>
+              <a:t> </a:t>
             </a:r>
             <a:r>
               <a:rPr sz="2100" dirty="0">
@@ -8359,72 +8366,82 @@
               <a:t>de  </a:t>
             </a:r>
             <a:r>
-              <a:rPr sz="2100" b="1" u="heavy" spc="-590" dirty="0">
+              <a:rPr lang="pt-BR" sz="2100" b="1" u="heavy" dirty="0" smtClean="0">
                 <a:latin typeface="Arial"/>
                 <a:cs typeface="Arial"/>
               </a:rPr>
               <a:t>I</a:t>
             </a:r>
             <a:r>
+              <a:rPr lang="pt-BR" sz="2100" b="1" u="heavy" spc="-5" dirty="0" smtClean="0">
+                <a:latin typeface="Arial"/>
+                <a:cs typeface="Arial"/>
+              </a:rPr>
+              <a:t>n</a:t>
+            </a:r>
+            <a:r>
+              <a:rPr sz="2100" b="1" u="heavy" spc="-5" dirty="0" smtClean="0">
+                <a:latin typeface="Arial"/>
+                <a:cs typeface="Arial"/>
+              </a:rPr>
+              <a:t>tegração</a:t>
+            </a:r>
+            <a:r>
+              <a:rPr sz="2100" spc="-5" dirty="0" smtClean="0">
+                <a:latin typeface="Arial"/>
+                <a:cs typeface="Arial"/>
+              </a:rPr>
+              <a:t> </a:t>
+            </a:r>
+            <a:r>
+              <a:rPr sz="2100" spc="-5" dirty="0">
+                <a:latin typeface="Arial"/>
+                <a:cs typeface="Arial"/>
+              </a:rPr>
+              <a:t>junto </a:t>
+            </a:r>
+            <a:r>
+              <a:rPr sz="2100" dirty="0">
+                <a:latin typeface="Arial"/>
+                <a:cs typeface="Arial"/>
+              </a:rPr>
+              <a:t>com </a:t>
+            </a:r>
+            <a:r>
+              <a:rPr sz="2100" b="1" u="heavy" spc="-1290" dirty="0">
+                <a:latin typeface="Arial"/>
+                <a:cs typeface="Arial"/>
+              </a:rPr>
+              <a:t>T</a:t>
+            </a:r>
+            <a:r>
+              <a:rPr sz="2100" b="1" u="heavy" spc="710" dirty="0">
+                <a:latin typeface="Arial"/>
+                <a:cs typeface="Arial"/>
+              </a:rPr>
+              <a:t> </a:t>
+            </a:r>
+            <a:r>
               <a:rPr sz="2100" b="1" u="heavy" spc="-5" dirty="0">
                 <a:latin typeface="Arial"/>
                 <a:cs typeface="Arial"/>
               </a:rPr>
-              <a:t>ntegração </a:t>
-            </a:r>
-            <a:r>
-              <a:rPr sz="2100" spc="-5" dirty="0">
-                <a:latin typeface="Arial"/>
-                <a:cs typeface="Arial"/>
-              </a:rPr>
-              <a:t>junto </a:t>
+              <a:t>este de</a:t>
+            </a:r>
+            <a:r>
+              <a:rPr sz="2100" b="1" u="heavy" dirty="0">
+                <a:latin typeface="Arial"/>
+                <a:cs typeface="Arial"/>
+              </a:rPr>
+              <a:t> Carga</a:t>
             </a:r>
             <a:r>
               <a:rPr sz="2100" dirty="0">
                 <a:latin typeface="Arial"/>
                 <a:cs typeface="Arial"/>
               </a:rPr>
-              <a:t>com </a:t>
-            </a:r>
-            <a:r>
-              <a:rPr sz="2100" b="1" u="heavy" spc="-1290" dirty="0">
-                <a:latin typeface="Arial"/>
-                <a:cs typeface="Arial"/>
-              </a:rPr>
-              <a:t>T</a:t>
-            </a:r>
-            <a:r>
-              <a:rPr sz="2100" b="1" u="heavy" spc="710" dirty="0">
-                <a:latin typeface="Arial"/>
-                <a:cs typeface="Arial"/>
-              </a:rPr>
-              <a:t> </a:t>
-            </a:r>
-            <a:r>
-              <a:rPr sz="2100" b="1" u="heavy" spc="-5" dirty="0">
-                <a:latin typeface="Arial"/>
-                <a:cs typeface="Arial"/>
-              </a:rPr>
-              <a:t>este de</a:t>
-            </a:r>
-            <a:r>
-              <a:rPr sz="2100" b="1" u="heavy" dirty="0">
-                <a:latin typeface="Arial"/>
-                <a:cs typeface="Arial"/>
-              </a:rPr>
-              <a:t> Carga</a:t>
-            </a:r>
-            <a:r>
-              <a:rPr sz="2100" dirty="0">
-                <a:latin typeface="Arial"/>
-                <a:cs typeface="Arial"/>
-              </a:rPr>
               <a:t>.</a:t>
             </a:r>
-            <a:endParaRPr sz="2100">
-              <a:latin typeface="Arial"/>
-              <a:cs typeface="Arial"/>
-            </a:endParaRPr>
           </a:p>
         </p:txBody>
       </p:sp>
